--- a/Links/Projeto.pptx
+++ b/Links/Projeto.pptx
@@ -18,36 +18,36 @@
   <p:notesSz cx="6858000" cy="9144000"/>
   <p:embeddedFontLst>
     <p:embeddedFont>
-      <p:font typeface="Franklin Gothic Medium Cond" panose="020B0606030402020204" pitchFamily="34" charset="0"/>
+      <p:font typeface="Calibri" panose="020F0502020204030204" pitchFamily="34" charset="0"/>
       <p:regular r:id="rId8"/>
+      <p:bold r:id="rId9"/>
+      <p:italic r:id="rId10"/>
+      <p:boldItalic r:id="rId11"/>
+    </p:embeddedFont>
+    <p:embeddedFont>
+      <p:font typeface="Barlow" panose="020B0604020202020204" charset="0"/>
+      <p:regular r:id="rId12"/>
+      <p:bold r:id="rId13"/>
+      <p:italic r:id="rId14"/>
+      <p:boldItalic r:id="rId15"/>
     </p:embeddedFont>
     <p:embeddedFont>
       <p:font typeface="Raleway SemiBold" panose="020B0604020202020204" charset="0"/>
-      <p:regular r:id="rId9"/>
-      <p:bold r:id="rId10"/>
-      <p:italic r:id="rId11"/>
-      <p:boldItalic r:id="rId12"/>
+      <p:regular r:id="rId16"/>
+      <p:bold r:id="rId17"/>
+      <p:italic r:id="rId18"/>
+      <p:boldItalic r:id="rId19"/>
     </p:embeddedFont>
     <p:embeddedFont>
       <p:font typeface="Barlow Light" panose="020B0604020202020204" charset="0"/>
-      <p:regular r:id="rId13"/>
-      <p:bold r:id="rId14"/>
-      <p:italic r:id="rId15"/>
-      <p:boldItalic r:id="rId16"/>
+      <p:regular r:id="rId20"/>
+      <p:bold r:id="rId21"/>
+      <p:italic r:id="rId22"/>
+      <p:boldItalic r:id="rId23"/>
     </p:embeddedFont>
     <p:embeddedFont>
-      <p:font typeface="Barlow" panose="020B0604020202020204" charset="0"/>
-      <p:regular r:id="rId17"/>
-      <p:bold r:id="rId18"/>
-      <p:italic r:id="rId19"/>
-      <p:boldItalic r:id="rId20"/>
-    </p:embeddedFont>
-    <p:embeddedFont>
-      <p:font typeface="Calibri" panose="020F0502020204030204" pitchFamily="34" charset="0"/>
-      <p:regular r:id="rId21"/>
-      <p:bold r:id="rId22"/>
-      <p:italic r:id="rId23"/>
-      <p:boldItalic r:id="rId24"/>
+      <p:font typeface="Franklin Gothic Medium Cond" panose="020B0606030402020204" pitchFamily="34" charset="0"/>
+      <p:regular r:id="rId24"/>
     </p:embeddedFont>
   </p:embeddedFontLst>
   <p:defaultTextStyle>
@@ -3155,8 +3155,13 @@
             </a:pPr>
             <a:r>
               <a:rPr lang="en" dirty="0" smtClean="0"/>
-              <a:t>Nós somos a ope </a:t>
+              <a:t>Nós somos a </a:t>
             </a:r>
+            <a:r>
+              <a:rPr lang="en" dirty="0" smtClean="0"/>
+              <a:t>Hope </a:t>
+            </a:r>
+            <a:endParaRPr lang="en" dirty="0" smtClean="0"/>
           </a:p>
           <a:p>
             <a:pPr marL="0" lvl="0" indent="0">
@@ -18738,15 +18743,23 @@
             </a:pPr>
             <a:r>
               <a:rPr lang="pt-BR" dirty="0" smtClean="0"/>
-              <a:t>Nasceu da problemática do </a:t>
-            </a:r>
-            <a:r>
-              <a:rPr lang="pt-BR" dirty="0" err="1" smtClean="0"/>
-              <a:t>Covid</a:t>
+              <a:t>Nascemos </a:t>
             </a:r>
             <a:r>
               <a:rPr lang="pt-BR" dirty="0" smtClean="0"/>
-              <a:t>-, para modificar a análise de dados da saúde lobal</a:t>
+              <a:t>da problemática do </a:t>
+            </a:r>
+            <a:r>
+              <a:rPr lang="pt-BR" dirty="0" smtClean="0"/>
+              <a:t>Covid-19, </a:t>
+            </a:r>
+            <a:r>
+              <a:rPr lang="pt-BR" dirty="0" smtClean="0"/>
+              <a:t>para modificar a análise de dados da saúde </a:t>
+            </a:r>
+            <a:r>
+              <a:rPr lang="pt-BR" dirty="0" smtClean="0"/>
+              <a:t>global</a:t>
             </a:r>
             <a:endParaRPr dirty="0"/>
           </a:p>
@@ -19872,7 +19885,7 @@
               </a:pathLst>
             </a:custGeom>
             <a:solidFill>
-              <a:srgbClr val="3A2C6D"/>
+              <a:schemeClr val="tx1"/>
             </a:solidFill>
             <a:ln>
               <a:noFill/>
@@ -26495,17 +26508,20 @@
                 <a:cs typeface="Raleway SemiBold"/>
                 <a:sym typeface="Raleway SemiBold"/>
               </a:rPr>
-              <a:t>Mobile project</a:t>
+              <a:t>Mobile </a:t>
             </a:r>
-            <a:endParaRPr sz="3000" dirty="0">
-              <a:solidFill>
-                <a:schemeClr val="accent2"/>
-              </a:solidFill>
-              <a:latin typeface="Raleway SemiBold"/>
-              <a:ea typeface="Raleway SemiBold"/>
-              <a:cs typeface="Raleway SemiBold"/>
-              <a:sym typeface="Raleway SemiBold"/>
-            </a:endParaRPr>
+            <a:r>
+              <a:rPr lang="en" sz="3000" dirty="0" smtClean="0">
+                <a:solidFill>
+                  <a:schemeClr val="accent2"/>
+                </a:solidFill>
+                <a:latin typeface="Raleway SemiBold"/>
+                <a:ea typeface="Raleway SemiBold"/>
+                <a:cs typeface="Raleway SemiBold"/>
+                <a:sym typeface="Raleway SemiBold"/>
+              </a:rPr>
+              <a:t>project</a:t>
+            </a:r>
           </a:p>
           <a:p>
             <a:pPr marL="0" lvl="0" indent="0" algn="l" rtl="0">
@@ -26518,15 +26534,15 @@
               <a:buNone/>
             </a:pPr>
             <a:r>
-              <a:rPr lang="en" sz="2400" dirty="0">
+              <a:rPr lang="pt-BR" sz="2400" dirty="0" smtClean="0">
                 <a:solidFill>
                   <a:schemeClr val="accent2"/>
                 </a:solidFill>
               </a:rPr>
-              <a:t>Show and explain your web, app or software projects using these gadget templates</a:t>
+              <a:t>Design voltado para usuários dinâmicos </a:t>
             </a:r>
             <a:r>
-              <a:rPr lang="en" sz="2400" dirty="0">
+              <a:rPr lang="en" sz="2400" dirty="0" smtClean="0">
                 <a:solidFill>
                   <a:schemeClr val="lt1"/>
                 </a:solidFill>
@@ -26537,64 +26553,6 @@
               <a:solidFill>
                 <a:schemeClr val="lt1"/>
               </a:solidFill>
-            </a:endParaRPr>
-          </a:p>
-        </p:txBody>
-      </p:sp>
-      <p:sp>
-        <p:nvSpPr>
-          <p:cNvPr id="1962" name="Google Shape;1962;p31"/>
-          <p:cNvSpPr/>
-          <p:nvPr/>
-        </p:nvSpPr>
-        <p:spPr>
-          <a:xfrm>
-            <a:off x="5300136" y="772185"/>
-            <a:ext cx="1745400" cy="3108900"/>
-          </a:xfrm>
-          <a:prstGeom prst="rect">
-            <a:avLst/>
-          </a:prstGeom>
-          <a:noFill/>
-          <a:ln>
-            <a:noFill/>
-          </a:ln>
-        </p:spPr>
-        <p:txBody>
-          <a:bodyPr spcFirstLastPara="1" wrap="square" lIns="91425" tIns="91425" rIns="91425" bIns="91425" anchor="ctr" anchorCtr="0">
-            <a:noAutofit/>
-          </a:bodyPr>
-          <a:lstStyle/>
-          <a:p>
-            <a:pPr marL="0" lvl="0" indent="0" algn="ctr" rtl="0">
-              <a:spcBef>
-                <a:spcPts val="0"/>
-              </a:spcBef>
-              <a:spcAft>
-                <a:spcPts val="0"/>
-              </a:spcAft>
-              <a:buNone/>
-            </a:pPr>
-            <a:r>
-              <a:rPr lang="en" sz="1000">
-                <a:solidFill>
-                  <a:schemeClr val="dk1"/>
-                </a:solidFill>
-                <a:latin typeface="Barlow"/>
-                <a:ea typeface="Barlow"/>
-                <a:cs typeface="Barlow"/>
-                <a:sym typeface="Barlow"/>
-              </a:rPr>
-              <a:t>Place your screenshot here</a:t>
-            </a:r>
-            <a:endParaRPr sz="1000">
-              <a:solidFill>
-                <a:schemeClr val="dk1"/>
-              </a:solidFill>
-              <a:latin typeface="Barlow"/>
-              <a:ea typeface="Barlow"/>
-              <a:cs typeface="Barlow"/>
-              <a:sym typeface="Barlow"/>
             </a:endParaRPr>
           </a:p>
         </p:txBody>
@@ -26657,7 +26615,7 @@
         </p:nvGrpSpPr>
         <p:grpSpPr>
           <a:xfrm>
-            <a:off x="5248684" y="413748"/>
+            <a:off x="5219894" y="501355"/>
             <a:ext cx="1842985" cy="3822716"/>
             <a:chOff x="2547150" y="238125"/>
             <a:chExt cx="2525675" cy="5238750"/>
@@ -27382,7 +27340,7 @@
         </p:nvGrpSpPr>
         <p:grpSpPr>
           <a:xfrm>
-            <a:off x="6637552" y="2080650"/>
+            <a:off x="7124959" y="2241369"/>
             <a:ext cx="1041945" cy="2747812"/>
             <a:chOff x="2217389" y="2145281"/>
             <a:chExt cx="771754" cy="2035265"/>
@@ -29009,6 +28967,388 @@
           </a:p>
         </p:txBody>
       </p:sp>
+      <p:pic>
+        <p:nvPicPr>
+          <p:cNvPr id="3" name="Imagem 2"/>
+          <p:cNvPicPr>
+            <a:picLocks noChangeAspect="1"/>
+          </p:cNvPicPr>
+          <p:nvPr/>
+        </p:nvPicPr>
+        <p:blipFill>
+          <a:blip r:embed="rId3">
+            <a:extLst>
+              <a:ext uri="{28A0092B-C50C-407E-A947-70E740481C1C}">
+                <a14:useLocalDpi xmlns:a14="http://schemas.microsoft.com/office/drawing/2010/main" val="0"/>
+              </a:ext>
+            </a:extLst>
+          </a:blip>
+          <a:stretch>
+            <a:fillRect/>
+          </a:stretch>
+        </p:blipFill>
+        <p:spPr>
+          <a:xfrm>
+            <a:off x="5273220" y="852723"/>
+            <a:ext cx="1738029" cy="3152381"/>
+          </a:xfrm>
+          <a:prstGeom prst="rect">
+            <a:avLst/>
+          </a:prstGeom>
+        </p:spPr>
+      </p:pic>
+      <p:sp>
+        <p:nvSpPr>
+          <p:cNvPr id="4" name="Retângulo 3"/>
+          <p:cNvSpPr/>
+          <p:nvPr/>
+        </p:nvSpPr>
+        <p:spPr>
+          <a:xfrm>
+            <a:off x="5272048" y="2065910"/>
+            <a:ext cx="447675" cy="867444"/>
+          </a:xfrm>
+          <a:prstGeom prst="rect">
+            <a:avLst/>
+          </a:prstGeom>
+          <a:solidFill>
+            <a:schemeClr val="bg1"/>
+          </a:solidFill>
+          <a:ln>
+            <a:noFill/>
+          </a:ln>
+        </p:spPr>
+        <p:style>
+          <a:lnRef idx="2">
+            <a:schemeClr val="accent1">
+              <a:shade val="50000"/>
+            </a:schemeClr>
+          </a:lnRef>
+          <a:fillRef idx="1">
+            <a:schemeClr val="accent1"/>
+          </a:fillRef>
+          <a:effectRef idx="0">
+            <a:schemeClr val="accent1"/>
+          </a:effectRef>
+          <a:fontRef idx="minor">
+            <a:schemeClr val="lt1"/>
+          </a:fontRef>
+        </p:style>
+        <p:txBody>
+          <a:bodyPr rtlCol="0" anchor="ctr"/>
+          <a:lstStyle/>
+          <a:p>
+            <a:pPr algn="ctr"/>
+            <a:endParaRPr lang="pt-BR"/>
+          </a:p>
+        </p:txBody>
+      </p:sp>
+      <p:sp>
+        <p:nvSpPr>
+          <p:cNvPr id="5" name="Retângulo 4"/>
+          <p:cNvSpPr/>
+          <p:nvPr/>
+        </p:nvSpPr>
+        <p:spPr>
+          <a:xfrm>
+            <a:off x="5495885" y="1528175"/>
+            <a:ext cx="1266865" cy="462550"/>
+          </a:xfrm>
+          <a:prstGeom prst="rect">
+            <a:avLst/>
+          </a:prstGeom>
+          <a:solidFill>
+            <a:schemeClr val="bg1"/>
+          </a:solidFill>
+          <a:ln>
+            <a:noFill/>
+          </a:ln>
+        </p:spPr>
+        <p:style>
+          <a:lnRef idx="2">
+            <a:schemeClr val="accent1">
+              <a:shade val="50000"/>
+            </a:schemeClr>
+          </a:lnRef>
+          <a:fillRef idx="1">
+            <a:schemeClr val="accent1"/>
+          </a:fillRef>
+          <a:effectRef idx="0">
+            <a:schemeClr val="accent1"/>
+          </a:effectRef>
+          <a:fontRef idx="minor">
+            <a:schemeClr val="lt1"/>
+          </a:fontRef>
+        </p:style>
+        <p:txBody>
+          <a:bodyPr rtlCol="0" anchor="ctr"/>
+          <a:lstStyle/>
+          <a:p>
+            <a:pPr algn="ctr"/>
+            <a:endParaRPr lang="pt-BR"/>
+          </a:p>
+        </p:txBody>
+      </p:sp>
+      <p:sp>
+        <p:nvSpPr>
+          <p:cNvPr id="6" name="Retângulo 5"/>
+          <p:cNvSpPr/>
+          <p:nvPr/>
+        </p:nvSpPr>
+        <p:spPr>
+          <a:xfrm>
+            <a:off x="6388213" y="1528175"/>
+            <a:ext cx="573306" cy="1442446"/>
+          </a:xfrm>
+          <a:prstGeom prst="rect">
+            <a:avLst/>
+          </a:prstGeom>
+          <a:solidFill>
+            <a:schemeClr val="bg1"/>
+          </a:solidFill>
+          <a:ln>
+            <a:noFill/>
+          </a:ln>
+        </p:spPr>
+        <p:style>
+          <a:lnRef idx="2">
+            <a:schemeClr val="accent1">
+              <a:shade val="50000"/>
+            </a:schemeClr>
+          </a:lnRef>
+          <a:fillRef idx="1">
+            <a:schemeClr val="accent1"/>
+          </a:fillRef>
+          <a:effectRef idx="0">
+            <a:schemeClr val="accent1"/>
+          </a:effectRef>
+          <a:fontRef idx="minor">
+            <a:schemeClr val="lt1"/>
+          </a:fontRef>
+        </p:style>
+        <p:txBody>
+          <a:bodyPr rtlCol="0" anchor="ctr"/>
+          <a:lstStyle/>
+          <a:p>
+            <a:pPr algn="ctr"/>
+            <a:endParaRPr lang="pt-BR"/>
+          </a:p>
+        </p:txBody>
+      </p:sp>
+      <p:sp>
+        <p:nvSpPr>
+          <p:cNvPr id="8" name="Retângulo 7"/>
+          <p:cNvSpPr/>
+          <p:nvPr/>
+        </p:nvSpPr>
+        <p:spPr>
+          <a:xfrm>
+            <a:off x="5628690" y="2499631"/>
+            <a:ext cx="893104" cy="470989"/>
+          </a:xfrm>
+          <a:prstGeom prst="rect">
+            <a:avLst/>
+          </a:prstGeom>
+          <a:solidFill>
+            <a:schemeClr val="bg1"/>
+          </a:solidFill>
+          <a:ln>
+            <a:noFill/>
+          </a:ln>
+        </p:spPr>
+        <p:style>
+          <a:lnRef idx="2">
+            <a:schemeClr val="accent1">
+              <a:shade val="50000"/>
+            </a:schemeClr>
+          </a:lnRef>
+          <a:fillRef idx="1">
+            <a:schemeClr val="accent1"/>
+          </a:fillRef>
+          <a:effectRef idx="0">
+            <a:schemeClr val="accent1"/>
+          </a:effectRef>
+          <a:fontRef idx="minor">
+            <a:schemeClr val="lt1"/>
+          </a:fontRef>
+        </p:style>
+        <p:txBody>
+          <a:bodyPr rtlCol="0" anchor="ctr"/>
+          <a:lstStyle/>
+          <a:p>
+            <a:pPr algn="ctr"/>
+            <a:endParaRPr lang="pt-BR"/>
+          </a:p>
+        </p:txBody>
+      </p:sp>
+      <p:sp>
+        <p:nvSpPr>
+          <p:cNvPr id="9" name="Retângulo 8"/>
+          <p:cNvSpPr/>
+          <p:nvPr/>
+        </p:nvSpPr>
+        <p:spPr>
+          <a:xfrm>
+            <a:off x="5297116" y="1371601"/>
+            <a:ext cx="856034" cy="615980"/>
+          </a:xfrm>
+          <a:prstGeom prst="rect">
+            <a:avLst/>
+          </a:prstGeom>
+          <a:solidFill>
+            <a:schemeClr val="bg1"/>
+          </a:solidFill>
+          <a:ln>
+            <a:noFill/>
+          </a:ln>
+        </p:spPr>
+        <p:style>
+          <a:lnRef idx="2">
+            <a:schemeClr val="accent1">
+              <a:shade val="50000"/>
+            </a:schemeClr>
+          </a:lnRef>
+          <a:fillRef idx="1">
+            <a:schemeClr val="accent1"/>
+          </a:fillRef>
+          <a:effectRef idx="0">
+            <a:schemeClr val="accent1"/>
+          </a:effectRef>
+          <a:fontRef idx="minor">
+            <a:schemeClr val="lt1"/>
+          </a:fontRef>
+        </p:style>
+        <p:txBody>
+          <a:bodyPr rtlCol="0" anchor="ctr"/>
+          <a:lstStyle/>
+          <a:p>
+            <a:pPr algn="ctr"/>
+            <a:endParaRPr lang="pt-BR"/>
+          </a:p>
+        </p:txBody>
+      </p:sp>
+      <p:sp>
+        <p:nvSpPr>
+          <p:cNvPr id="10" name="Retângulo 9"/>
+          <p:cNvSpPr/>
+          <p:nvPr/>
+        </p:nvSpPr>
+        <p:spPr>
+          <a:xfrm>
+            <a:off x="5297116" y="1746943"/>
+            <a:ext cx="536513" cy="674358"/>
+          </a:xfrm>
+          <a:prstGeom prst="rect">
+            <a:avLst/>
+          </a:prstGeom>
+          <a:solidFill>
+            <a:schemeClr val="bg1"/>
+          </a:solidFill>
+          <a:ln>
+            <a:noFill/>
+          </a:ln>
+        </p:spPr>
+        <p:style>
+          <a:lnRef idx="2">
+            <a:schemeClr val="accent1">
+              <a:shade val="50000"/>
+            </a:schemeClr>
+          </a:lnRef>
+          <a:fillRef idx="1">
+            <a:schemeClr val="accent1"/>
+          </a:fillRef>
+          <a:effectRef idx="0">
+            <a:schemeClr val="accent1"/>
+          </a:effectRef>
+          <a:fontRef idx="minor">
+            <a:schemeClr val="lt1"/>
+          </a:fontRef>
+        </p:style>
+        <p:txBody>
+          <a:bodyPr rtlCol="0" anchor="ctr"/>
+          <a:lstStyle/>
+          <a:p>
+            <a:pPr algn="ctr"/>
+            <a:endParaRPr lang="pt-BR"/>
+          </a:p>
+        </p:txBody>
+      </p:sp>
+      <p:sp>
+        <p:nvSpPr>
+          <p:cNvPr id="11" name="Retângulo 10"/>
+          <p:cNvSpPr/>
+          <p:nvPr/>
+        </p:nvSpPr>
+        <p:spPr>
+          <a:xfrm>
+            <a:off x="5719723" y="1746943"/>
+            <a:ext cx="833477" cy="909748"/>
+          </a:xfrm>
+          <a:prstGeom prst="rect">
+            <a:avLst/>
+          </a:prstGeom>
+          <a:solidFill>
+            <a:schemeClr val="bg1"/>
+          </a:solidFill>
+          <a:ln>
+            <a:noFill/>
+          </a:ln>
+        </p:spPr>
+        <p:style>
+          <a:lnRef idx="2">
+            <a:schemeClr val="accent1">
+              <a:shade val="50000"/>
+            </a:schemeClr>
+          </a:lnRef>
+          <a:fillRef idx="1">
+            <a:schemeClr val="accent1"/>
+          </a:fillRef>
+          <a:effectRef idx="0">
+            <a:schemeClr val="accent1"/>
+          </a:effectRef>
+          <a:fontRef idx="minor">
+            <a:schemeClr val="lt1"/>
+          </a:fontRef>
+        </p:style>
+        <p:txBody>
+          <a:bodyPr rtlCol="0" anchor="ctr"/>
+          <a:lstStyle/>
+          <a:p>
+            <a:pPr algn="ctr"/>
+            <a:endParaRPr lang="pt-BR"/>
+          </a:p>
+        </p:txBody>
+      </p:sp>
+      <p:pic>
+        <p:nvPicPr>
+          <p:cNvPr id="12" name="Imagem 11"/>
+          <p:cNvPicPr>
+            <a:picLocks noChangeAspect="1"/>
+          </p:cNvPicPr>
+          <p:nvPr/>
+        </p:nvPicPr>
+        <p:blipFill>
+          <a:blip r:embed="rId4">
+            <a:extLst>
+              <a:ext uri="{28A0092B-C50C-407E-A947-70E740481C1C}">
+                <a14:useLocalDpi xmlns:a14="http://schemas.microsoft.com/office/drawing/2010/main" val="0"/>
+              </a:ext>
+            </a:extLst>
+          </a:blip>
+          <a:stretch>
+            <a:fillRect/>
+          </a:stretch>
+        </p:blipFill>
+        <p:spPr>
+          <a:xfrm>
+            <a:off x="5145260" y="1332327"/>
+            <a:ext cx="1994149" cy="1503589"/>
+          </a:xfrm>
+          <a:prstGeom prst="rect">
+            <a:avLst/>
+          </a:prstGeom>
+        </p:spPr>
+      </p:pic>
     </p:spTree>
   </p:cSld>
   <p:clrMapOvr>
@@ -29507,17 +29847,20 @@
                 <a:cs typeface="Raleway SemiBold"/>
                 <a:sym typeface="Raleway SemiBold"/>
               </a:rPr>
-              <a:t>Desktop project</a:t>
+              <a:t>Desktop </a:t>
             </a:r>
-            <a:endParaRPr sz="3000" dirty="0">
-              <a:solidFill>
-                <a:schemeClr val="accent2"/>
-              </a:solidFill>
-              <a:latin typeface="Raleway SemiBold"/>
-              <a:ea typeface="Raleway SemiBold"/>
-              <a:cs typeface="Raleway SemiBold"/>
-              <a:sym typeface="Raleway SemiBold"/>
-            </a:endParaRPr>
+            <a:r>
+              <a:rPr lang="en" sz="3000" dirty="0" smtClean="0">
+                <a:solidFill>
+                  <a:schemeClr val="accent2"/>
+                </a:solidFill>
+                <a:latin typeface="Raleway SemiBold"/>
+                <a:ea typeface="Raleway SemiBold"/>
+                <a:cs typeface="Raleway SemiBold"/>
+                <a:sym typeface="Raleway SemiBold"/>
+              </a:rPr>
+              <a:t>project</a:t>
+            </a:r>
           </a:p>
           <a:p>
             <a:pPr marL="0" lvl="0" indent="0" algn="l" rtl="0">
@@ -29530,15 +29873,34 @@
               <a:buNone/>
             </a:pPr>
             <a:r>
-              <a:rPr lang="en" sz="2400" dirty="0">
+              <a:rPr lang="en" sz="2400" dirty="0" smtClean="0">
                 <a:solidFill>
                   <a:schemeClr val="accent2"/>
                 </a:solidFill>
               </a:rPr>
-              <a:t>Show and explain your web, app or software projects using these gadget templates</a:t>
+              <a:t>Compacto. </a:t>
+            </a:r>
+          </a:p>
+          <a:p>
+            <a:pPr marL="0" lvl="0" indent="0" algn="l" rtl="0">
+              <a:spcBef>
+                <a:spcPts val="600"/>
+              </a:spcBef>
+              <a:spcAft>
+                <a:spcPts val="0"/>
+              </a:spcAft>
+              <a:buNone/>
+            </a:pPr>
+            <a:r>
+              <a:rPr lang="en" sz="2400" dirty="0" smtClean="0">
+                <a:solidFill>
+                  <a:schemeClr val="accent2"/>
+                </a:solidFill>
+              </a:rPr>
+              <a:t>Assim como deve ser a análise de dados.</a:t>
             </a:r>
             <a:r>
-              <a:rPr lang="en" sz="2400" dirty="0">
+              <a:rPr lang="en" sz="2400" dirty="0" smtClean="0">
                 <a:solidFill>
                   <a:schemeClr val="lt1"/>
                 </a:solidFill>
@@ -32177,19 +32539,7 @@
               </a:spcAft>
               <a:buNone/>
             </a:pPr>
-            <a:r>
-              <a:rPr lang="en" sz="1000">
-                <a:solidFill>
-                  <a:schemeClr val="dk1"/>
-                </a:solidFill>
-                <a:latin typeface="Barlow"/>
-                <a:ea typeface="Barlow"/>
-                <a:cs typeface="Barlow"/>
-                <a:sym typeface="Barlow"/>
-              </a:rPr>
-              <a:t>Place your screenshot here</a:t>
-            </a:r>
-            <a:endParaRPr sz="1000">
+            <a:endParaRPr sz="1000" u="sng" dirty="0">
               <a:solidFill>
                 <a:schemeClr val="dk1"/>
               </a:solidFill>
@@ -45415,7 +45765,7 @@
                 <a:cs typeface="Barlow"/>
                 <a:sym typeface="Barlow"/>
               </a:rPr>
-              <a:t>Aluma dúvida?</a:t>
+              <a:t>Alguma dúvida?</a:t>
             </a:r>
             <a:endParaRPr sz="3600" b="1" dirty="0">
               <a:solidFill>
@@ -45443,8 +45793,12 @@
               <a:buNone/>
             </a:pPr>
             <a:r>
-              <a:rPr lang="en" dirty="0"/>
-              <a:t>You can find me at: </a:t>
+              <a:rPr lang="en" dirty="0" smtClean="0"/>
+              <a:t>Entre em contato</a:t>
+            </a:r>
+            <a:r>
+              <a:rPr lang="en" dirty="0" smtClean="0"/>
+              <a:t>: </a:t>
             </a:r>
             <a:endParaRPr dirty="0"/>
           </a:p>
@@ -45477,7 +45831,7 @@
             </a:pPr>
             <a:r>
               <a:rPr lang="en" dirty="0" smtClean="0"/>
-              <a:t>user@mail.me</a:t>
+              <a:t>@</a:t>
             </a:r>
             <a:endParaRPr dirty="0"/>
           </a:p>

--- a/Links/Projeto.pptx
+++ b/Links/Projeto.pptx
@@ -18,14 +18,14 @@
   <p:notesSz cx="6858000" cy="9144000"/>
   <p:embeddedFontLst>
     <p:embeddedFont>
-      <p:font typeface="Calibri" panose="020F0502020204030204" pitchFamily="34" charset="0"/>
+      <p:font typeface="Barlow Light" panose="020B0604020202020204" charset="0"/>
       <p:regular r:id="rId8"/>
       <p:bold r:id="rId9"/>
       <p:italic r:id="rId10"/>
       <p:boldItalic r:id="rId11"/>
     </p:embeddedFont>
     <p:embeddedFont>
-      <p:font typeface="Barlow" panose="020B0604020202020204" charset="0"/>
+      <p:font typeface="Calibri" panose="020F0502020204030204" pitchFamily="34" charset="0"/>
       <p:regular r:id="rId12"/>
       <p:bold r:id="rId13"/>
       <p:italic r:id="rId14"/>
@@ -39,15 +39,15 @@
       <p:boldItalic r:id="rId19"/>
     </p:embeddedFont>
     <p:embeddedFont>
-      <p:font typeface="Barlow Light" panose="020B0604020202020204" charset="0"/>
+      <p:font typeface="Franklin Gothic Medium Cond" panose="020B0606030402020204" pitchFamily="34" charset="0"/>
       <p:regular r:id="rId20"/>
-      <p:bold r:id="rId21"/>
-      <p:italic r:id="rId22"/>
-      <p:boldItalic r:id="rId23"/>
     </p:embeddedFont>
     <p:embeddedFont>
-      <p:font typeface="Franklin Gothic Medium Cond" panose="020B0606030402020204" pitchFamily="34" charset="0"/>
-      <p:regular r:id="rId24"/>
+      <p:font typeface="Barlow" panose="020B0604020202020204" charset="0"/>
+      <p:regular r:id="rId21"/>
+      <p:bold r:id="rId22"/>
+      <p:italic r:id="rId23"/>
+      <p:boldItalic r:id="rId24"/>
     </p:embeddedFont>
   </p:embeddedFontLst>
   <p:defaultTextStyle>
@@ -3155,13 +3155,8 @@
             </a:pPr>
             <a:r>
               <a:rPr lang="en" dirty="0" smtClean="0"/>
-              <a:t>Nós somos a </a:t>
+              <a:t>Nós somos a Hope </a:t>
             </a:r>
-            <a:r>
-              <a:rPr lang="en" dirty="0" smtClean="0"/>
-              <a:t>Hope </a:t>
-            </a:r>
-            <a:endParaRPr lang="en" dirty="0" smtClean="0"/>
           </a:p>
           <a:p>
             <a:pPr marL="0" lvl="0" indent="0">
@@ -18743,23 +18738,7 @@
             </a:pPr>
             <a:r>
               <a:rPr lang="pt-BR" dirty="0" smtClean="0"/>
-              <a:t>Nascemos </a:t>
-            </a:r>
-            <a:r>
-              <a:rPr lang="pt-BR" dirty="0" smtClean="0"/>
-              <a:t>da problemática do </a:t>
-            </a:r>
-            <a:r>
-              <a:rPr lang="pt-BR" dirty="0" smtClean="0"/>
-              <a:t>Covid-19, </a:t>
-            </a:r>
-            <a:r>
-              <a:rPr lang="pt-BR" dirty="0" smtClean="0"/>
-              <a:t>para modificar a análise de dados da saúde </a:t>
-            </a:r>
-            <a:r>
-              <a:rPr lang="pt-BR" dirty="0" smtClean="0"/>
-              <a:t>global</a:t>
+              <a:t>Nascemos da problemática do Covid-19, para modificar a análise de dados da saúde global</a:t>
             </a:r>
             <a:endParaRPr dirty="0"/>
           </a:p>
@@ -45794,11 +45773,7 @@
             </a:pPr>
             <a:r>
               <a:rPr lang="en" dirty="0" smtClean="0"/>
-              <a:t>Entre em contato</a:t>
-            </a:r>
-            <a:r>
-              <a:rPr lang="en" dirty="0" smtClean="0"/>
-              <a:t>: </a:t>
+              <a:t>Entre em contato: </a:t>
             </a:r>
             <a:endParaRPr dirty="0"/>
           </a:p>
@@ -45831,7 +45806,7 @@
             </a:pPr>
             <a:r>
               <a:rPr lang="en" dirty="0" smtClean="0"/>
-              <a:t>@</a:t>
+              <a:t>joseIagoLimaSilva@hotmail.com</a:t>
             </a:r>
             <a:endParaRPr dirty="0"/>
           </a:p>

--- a/Links/Projeto.pptx
+++ b/Links/Projeto.pptx
@@ -18,29 +18,29 @@
   <p:notesSz cx="6858000" cy="9144000"/>
   <p:embeddedFontLst>
     <p:embeddedFont>
-      <p:font typeface="Barlow Light" panose="020B0604020202020204" charset="0"/>
+      <p:font typeface="Calibri" panose="020F0502020204030204" pitchFamily="34" charset="0"/>
       <p:regular r:id="rId8"/>
       <p:bold r:id="rId9"/>
       <p:italic r:id="rId10"/>
       <p:boldItalic r:id="rId11"/>
     </p:embeddedFont>
     <p:embeddedFont>
-      <p:font typeface="Calibri" panose="020F0502020204030204" pitchFamily="34" charset="0"/>
+      <p:font typeface="Barlow Light" panose="020B0604020202020204" charset="0"/>
       <p:regular r:id="rId12"/>
       <p:bold r:id="rId13"/>
       <p:italic r:id="rId14"/>
       <p:boldItalic r:id="rId15"/>
     </p:embeddedFont>
     <p:embeddedFont>
-      <p:font typeface="Raleway SemiBold" panose="020B0604020202020204" charset="0"/>
+      <p:font typeface="Franklin Gothic Medium Cond" panose="020B0606030402020204" pitchFamily="34" charset="0"/>
       <p:regular r:id="rId16"/>
-      <p:bold r:id="rId17"/>
-      <p:italic r:id="rId18"/>
-      <p:boldItalic r:id="rId19"/>
     </p:embeddedFont>
     <p:embeddedFont>
-      <p:font typeface="Franklin Gothic Medium Cond" panose="020B0606030402020204" pitchFamily="34" charset="0"/>
-      <p:regular r:id="rId20"/>
+      <p:font typeface="Raleway SemiBold" panose="020B0604020202020204" charset="0"/>
+      <p:regular r:id="rId17"/>
+      <p:bold r:id="rId18"/>
+      <p:italic r:id="rId19"/>
+      <p:boldItalic r:id="rId20"/>
     </p:embeddedFont>
     <p:embeddedFont>
       <p:font typeface="Barlow" panose="020B0604020202020204" charset="0"/>
@@ -29437,7 +29437,7 @@
         </p:nvGrpSpPr>
         <p:grpSpPr>
           <a:xfrm>
-            <a:off x="3824899" y="1241117"/>
+            <a:off x="3653345" y="1257947"/>
             <a:ext cx="4542205" cy="2661224"/>
             <a:chOff x="1177450" y="241631"/>
             <a:chExt cx="6173152" cy="3616776"/>
@@ -32578,6 +32578,36 @@
           </a:p>
         </p:txBody>
       </p:sp>
+      <p:pic>
+        <p:nvPicPr>
+          <p:cNvPr id="3" name="Imagem 2"/>
+          <p:cNvPicPr>
+            <a:picLocks noChangeAspect="1"/>
+          </p:cNvPicPr>
+          <p:nvPr/>
+        </p:nvPicPr>
+        <p:blipFill>
+          <a:blip r:embed="rId3">
+            <a:extLst>
+              <a:ext uri="{28A0092B-C50C-407E-A947-70E740481C1C}">
+                <a14:useLocalDpi xmlns:a14="http://schemas.microsoft.com/office/drawing/2010/main" val="0"/>
+              </a:ext>
+            </a:extLst>
+          </a:blip>
+          <a:stretch>
+            <a:fillRect/>
+          </a:stretch>
+        </p:blipFill>
+        <p:spPr>
+          <a:xfrm>
+            <a:off x="4147519" y="1397200"/>
+            <a:ext cx="3547152" cy="2254954"/>
+          </a:xfrm>
+          <a:prstGeom prst="rect">
+            <a:avLst/>
+          </a:prstGeom>
+        </p:spPr>
+      </p:pic>
     </p:spTree>
   </p:cSld>
   <p:clrMapOvr>
@@ -45790,8 +45820,13 @@
             </a:pPr>
             <a:r>
               <a:rPr lang="en" dirty="0" smtClean="0"/>
-              <a:t>@fernandoocst</a:t>
+              <a:t>@</a:t>
             </a:r>
+            <a:r>
+              <a:rPr lang="en" dirty="0" smtClean="0"/>
+              <a:t>fernandocosta ( Linkedin )</a:t>
+            </a:r>
+            <a:endParaRPr lang="en" dirty="0" smtClean="0"/>
           </a:p>
           <a:p>
             <a:pPr marL="457200" lvl="0" indent="-342900" algn="l" rtl="0">
